--- a/Capstone_1/Capstone_Powerpoint_Final.pptx
+++ b/Capstone_1/Capstone_Powerpoint_Final.pptx
@@ -16,6 +16,8 @@
     <p:sldId id="265" r:id="rId10"/>
     <p:sldId id="266" r:id="rId11"/>
     <p:sldId id="267" r:id="rId12"/>
+    <p:sldId id="269" r:id="rId13"/>
+    <p:sldId id="268" r:id="rId14"/>
   </p:sldIdLst>
   <p:sldSz cx="12192000" cy="6858000"/>
   <p:notesSz cx="6858000" cy="9144000"/>
@@ -4398,6 +4400,240 @@
 </p:sld>
 </file>
 
+<file path=ppt/slides/slide12.xml><?xml version="1.0" encoding="utf-8"?>
+<p:sld xmlns:a="http://schemas.openxmlformats.org/drawingml/2006/main" xmlns:r="http://schemas.openxmlformats.org/officeDocument/2006/relationships" xmlns:p="http://schemas.openxmlformats.org/presentationml/2006/main">
+  <p:cSld>
+    <p:spTree>
+      <p:nvGrpSpPr>
+        <p:cNvPr id="1" name=""/>
+        <p:cNvGrpSpPr/>
+        <p:nvPr/>
+      </p:nvGrpSpPr>
+      <p:grpSpPr>
+        <a:xfrm>
+          <a:off x="0" y="0"/>
+          <a:ext cx="0" cy="0"/>
+          <a:chOff x="0" y="0"/>
+          <a:chExt cx="0" cy="0"/>
+        </a:xfrm>
+      </p:grpSpPr>
+      <p:sp>
+        <p:nvSpPr>
+          <p:cNvPr id="2" name="Title 1">
+            <a:extLst>
+              <a:ext uri="{FF2B5EF4-FFF2-40B4-BE49-F238E27FC236}">
+                <a16:creationId xmlns:a16="http://schemas.microsoft.com/office/drawing/2014/main" id="{B6C36445-F22E-4B62-81F8-24630C28E59C}"/>
+              </a:ext>
+            </a:extLst>
+          </p:cNvPr>
+          <p:cNvSpPr>
+            <a:spLocks noGrp="1"/>
+          </p:cNvSpPr>
+          <p:nvPr>
+            <p:ph type="title"/>
+          </p:nvPr>
+        </p:nvSpPr>
+        <p:spPr/>
+        <p:txBody>
+          <a:bodyPr/>
+          <a:lstStyle/>
+          <a:p>
+            <a:r>
+              <a:rPr lang="en-US" dirty="0"/>
+              <a:t>Sources and Contact Information</a:t>
+            </a:r>
+          </a:p>
+        </p:txBody>
+      </p:sp>
+      <p:sp>
+        <p:nvSpPr>
+          <p:cNvPr id="3" name="Content Placeholder 2">
+            <a:extLst>
+              <a:ext uri="{FF2B5EF4-FFF2-40B4-BE49-F238E27FC236}">
+                <a16:creationId xmlns:a16="http://schemas.microsoft.com/office/drawing/2014/main" id="{4AB883A2-383B-4B43-892B-BDEE6D59F5B8}"/>
+              </a:ext>
+            </a:extLst>
+          </p:cNvPr>
+          <p:cNvSpPr>
+            <a:spLocks noGrp="1"/>
+          </p:cNvSpPr>
+          <p:nvPr>
+            <p:ph idx="1"/>
+          </p:nvPr>
+        </p:nvSpPr>
+        <p:spPr/>
+        <p:txBody>
+          <a:bodyPr/>
+          <a:lstStyle/>
+          <a:p>
+            <a:pPr>
+              <a:buFont typeface="Arial" panose="020B0604020202020204" pitchFamily="34" charset="0"/>
+              <a:buChar char="•"/>
+            </a:pPr>
+            <a:r>
+              <a:rPr lang="en-US" dirty="0"/>
+              <a:t> All sources are methods are listed in the </a:t>
+            </a:r>
+            <a:r>
+              <a:rPr lang="en-US" dirty="0" err="1"/>
+              <a:t>Jupyter</a:t>
+            </a:r>
+            <a:r>
+              <a:rPr lang="en-US" dirty="0"/>
+              <a:t> Notebook found at </a:t>
+            </a:r>
+            <a:r>
+              <a:rPr lang="en-US" dirty="0">
+                <a:hlinkClick r:id="rId2"/>
+              </a:rPr>
+              <a:t>https://github.com/jared-m-murphy/Springboard/blob/main/Capstone_1/Capstone_Final.ipynb</a:t>
+            </a:r>
+            <a:r>
+              <a:rPr lang="en-US" dirty="0"/>
+              <a:t> </a:t>
+            </a:r>
+          </a:p>
+          <a:p>
+            <a:pPr>
+              <a:buFont typeface="Arial" panose="020B0604020202020204" pitchFamily="34" charset="0"/>
+              <a:buChar char="•"/>
+            </a:pPr>
+            <a:r>
+              <a:rPr lang="en-US" dirty="0"/>
+              <a:t> </a:t>
+            </a:r>
+            <a:r>
+              <a:rPr lang="en-US" dirty="0">
+                <a:hlinkClick r:id="rId3"/>
+              </a:rPr>
+              <a:t>Jared.m.murphy@protonmail.com</a:t>
+            </a:r>
+            <a:endParaRPr lang="en-US" dirty="0"/>
+          </a:p>
+          <a:p>
+            <a:pPr>
+              <a:buFont typeface="Arial" panose="020B0604020202020204" pitchFamily="34" charset="0"/>
+              <a:buChar char="•"/>
+            </a:pPr>
+            <a:r>
+              <a:rPr lang="en-US" dirty="0">
+                <a:hlinkClick r:id="rId4"/>
+              </a:rPr>
+              <a:t> https://www.linkedin.com/in/jared-m-murphy/</a:t>
+            </a:r>
+            <a:r>
+              <a:rPr lang="en-US" dirty="0"/>
+              <a:t> </a:t>
+            </a:r>
+          </a:p>
+          <a:p>
+            <a:pPr>
+              <a:buFont typeface="Arial" panose="020B0604020202020204" pitchFamily="34" charset="0"/>
+              <a:buChar char="•"/>
+            </a:pPr>
+            <a:r>
+              <a:rPr lang="en-US" dirty="0"/>
+              <a:t> </a:t>
+            </a:r>
+            <a:r>
+              <a:rPr lang="en-US" dirty="0">
+                <a:hlinkClick r:id="rId5"/>
+              </a:rPr>
+              <a:t>https://github.com/jared-m-murphy</a:t>
+            </a:r>
+            <a:endParaRPr lang="en-US" dirty="0"/>
+          </a:p>
+          <a:p>
+            <a:pPr>
+              <a:buFont typeface="Arial" panose="020B0604020202020204" pitchFamily="34" charset="0"/>
+              <a:buChar char="•"/>
+            </a:pPr>
+            <a:r>
+              <a:rPr lang="en-US" dirty="0"/>
+              <a:t> @jaredmmurphy on Twitter</a:t>
+            </a:r>
+          </a:p>
+        </p:txBody>
+      </p:sp>
+    </p:spTree>
+    <p:extLst>
+      <p:ext uri="{BB962C8B-B14F-4D97-AF65-F5344CB8AC3E}">
+        <p14:creationId xmlns:p14="http://schemas.microsoft.com/office/powerpoint/2010/main" val="406956649"/>
+      </p:ext>
+    </p:extLst>
+  </p:cSld>
+  <p:clrMapOvr>
+    <a:masterClrMapping/>
+  </p:clrMapOvr>
+</p:sld>
+</file>
+
+<file path=ppt/slides/slide13.xml><?xml version="1.0" encoding="utf-8"?>
+<p:sld xmlns:a="http://schemas.openxmlformats.org/drawingml/2006/main" xmlns:r="http://schemas.openxmlformats.org/officeDocument/2006/relationships" xmlns:p="http://schemas.openxmlformats.org/presentationml/2006/main">
+  <p:cSld>
+    <p:spTree>
+      <p:nvGrpSpPr>
+        <p:cNvPr id="1" name=""/>
+        <p:cNvGrpSpPr/>
+        <p:nvPr/>
+      </p:nvGrpSpPr>
+      <p:grpSpPr>
+        <a:xfrm>
+          <a:off x="0" y="0"/>
+          <a:ext cx="0" cy="0"/>
+          <a:chOff x="0" y="0"/>
+          <a:chExt cx="0" cy="0"/>
+        </a:xfrm>
+      </p:grpSpPr>
+      <p:sp>
+        <p:nvSpPr>
+          <p:cNvPr id="4" name="TextBox 3">
+            <a:extLst>
+              <a:ext uri="{FF2B5EF4-FFF2-40B4-BE49-F238E27FC236}">
+                <a16:creationId xmlns:a16="http://schemas.microsoft.com/office/drawing/2014/main" id="{AAAC3CA7-82A4-4EA6-AB60-ADBD4CA7613E}"/>
+              </a:ext>
+            </a:extLst>
+          </p:cNvPr>
+          <p:cNvSpPr txBox="1"/>
+          <p:nvPr/>
+        </p:nvSpPr>
+        <p:spPr>
+          <a:xfrm>
+            <a:off x="3686175" y="2828835"/>
+            <a:ext cx="4819650" cy="1200329"/>
+          </a:xfrm>
+          <a:prstGeom prst="rect">
+            <a:avLst/>
+          </a:prstGeom>
+          <a:noFill/>
+        </p:spPr>
+        <p:txBody>
+          <a:bodyPr wrap="square" rtlCol="0">
+            <a:spAutoFit/>
+          </a:bodyPr>
+          <a:lstStyle/>
+          <a:p>
+            <a:pPr algn="ctr"/>
+            <a:r>
+              <a:rPr lang="en-US" sz="7200" dirty="0"/>
+              <a:t>Fin</a:t>
+            </a:r>
+          </a:p>
+        </p:txBody>
+      </p:sp>
+    </p:spTree>
+    <p:extLst>
+      <p:ext uri="{BB962C8B-B14F-4D97-AF65-F5344CB8AC3E}">
+        <p14:creationId xmlns:p14="http://schemas.microsoft.com/office/powerpoint/2010/main" val="3079562643"/>
+      </p:ext>
+    </p:extLst>
+  </p:cSld>
+  <p:clrMapOvr>
+    <a:masterClrMapping/>
+  </p:clrMapOvr>
+</p:sld>
+</file>
+
 <file path=ppt/slides/slide2.xml><?xml version="1.0" encoding="utf-8"?>
 <p:sld xmlns:a="http://schemas.openxmlformats.org/drawingml/2006/main" xmlns:r="http://schemas.openxmlformats.org/officeDocument/2006/relationships" xmlns:p="http://schemas.openxmlformats.org/presentationml/2006/main">
   <p:cSld>
